--- a/Lectures/10. jQuery, HTML5, Slice and Dice/Creating-Web-Sites-with-HTML-and-CSS.pptx
+++ b/Lectures/10. jQuery, HTML5, Slice and Dice/Creating-Web-Sites-with-HTML-and-CSS.pptx
@@ -5,10 +5,10 @@
     <p:sldMasterId id="2147483711" r:id="rId1"/>
   </p:sldMasterIdLst>
   <p:notesMasterIdLst>
-    <p:notesMasterId r:id="rId45"/>
+    <p:notesMasterId r:id="rId44"/>
   </p:notesMasterIdLst>
   <p:handoutMasterIdLst>
-    <p:handoutMasterId r:id="rId46"/>
+    <p:handoutMasterId r:id="rId45"/>
   </p:handoutMasterIdLst>
   <p:sldIdLst>
     <p:sldId id="320" r:id="rId2"/>
@@ -53,7 +53,6 @@
     <p:sldId id="435" r:id="rId41"/>
     <p:sldId id="436" r:id="rId42"/>
     <p:sldId id="434" r:id="rId43"/>
-    <p:sldId id="423" r:id="rId44"/>
   </p:sldIdLst>
   <p:sldSz cx="9144000" cy="6858000" type="screen4x3"/>
   <p:notesSz cx="6881813" cy="9296400"/>
@@ -300,7 +299,7 @@
             <a:fld id="{3BF7C7B5-275F-4D1F-9AB4-9255447DBC73}" type="datetimeFigureOut">
               <a:rPr lang="en-US"/>
               <a:pPr/>
-              <a:t>29-Jun-11</a:t>
+              <a:t>21-Nov-11</a:t>
             </a:fld>
             <a:endParaRPr lang="en-US" dirty="0"/>
           </a:p>
@@ -531,7 +530,7 @@
             <a:fld id="{9B46F231-FB2B-4655-A644-E2477325E686}" type="datetimeFigureOut">
               <a:rPr lang="en-US"/>
               <a:pPr/>
-              <a:t>29-Jun-11</a:t>
+              <a:t>21-Nov-11</a:t>
             </a:fld>
             <a:endParaRPr lang="en-US" dirty="0"/>
           </a:p>
@@ -9790,15 +9789,7 @@
             <a:pPr lvl="2"/>
             <a:r>
               <a:rPr lang="en-US" sz="2600" dirty="0" smtClean="0"/>
-              <a:t>PNG </a:t>
-            </a:r>
-            <a:r>
-              <a:rPr lang="en-US" sz="2600" dirty="0" smtClean="0"/>
-              <a:t>transparency </a:t>
-            </a:r>
-            <a:r>
-              <a:rPr lang="en-US" sz="2600" dirty="0" smtClean="0"/>
-              <a:t>not supported by old browsers</a:t>
+              <a:t>PNG transparency not supported by old browsers</a:t>
             </a:r>
           </a:p>
           <a:p>
@@ -26278,290 +26269,6 @@
     <p:extLst>
       <p:ext uri="{BB962C8B-B14F-4D97-AF65-F5344CB8AC3E}">
         <p14:creationId xmlns:p14="http://schemas.microsoft.com/office/powerpoint/2010/main" val="1924410876"/>
-      </p:ext>
-    </p:extLst>
-  </p:cSld>
-  <p:clrMapOvr>
-    <a:masterClrMapping/>
-  </p:clrMapOvr>
-  <p:timing>
-    <p:tnLst>
-      <p:par>
-        <p:cTn id="1" dur="indefinite" restart="never" nodeType="tmRoot"/>
-      </p:par>
-    </p:tnLst>
-  </p:timing>
-</p:sld>
-</file>
-
-<file path=ppt/slides/slide43.xml><?xml version="1.0" encoding="utf-8"?>
-<p:sld xmlns:a="http://schemas.openxmlformats.org/drawingml/2006/main" xmlns:r="http://schemas.openxmlformats.org/officeDocument/2006/relationships" xmlns:p="http://schemas.openxmlformats.org/presentationml/2006/main">
-  <p:cSld>
-    <p:spTree>
-      <p:nvGrpSpPr>
-        <p:cNvPr id="1" name=""/>
-        <p:cNvGrpSpPr/>
-        <p:nvPr/>
-      </p:nvGrpSpPr>
-      <p:grpSpPr>
-        <a:xfrm>
-          <a:off x="0" y="0"/>
-          <a:ext cx="0" cy="0"/>
-          <a:chOff x="0" y="0"/>
-          <a:chExt cx="0" cy="0"/>
-        </a:xfrm>
-      </p:grpSpPr>
-      <p:sp>
-        <p:nvSpPr>
-          <p:cNvPr id="2" name="Title 1"/>
-          <p:cNvSpPr>
-            <a:spLocks noGrp="1"/>
-          </p:cNvSpPr>
-          <p:nvPr>
-            <p:ph type="title"/>
-          </p:nvPr>
-        </p:nvSpPr>
-        <p:spPr/>
-        <p:txBody>
-          <a:bodyPr/>
-          <a:lstStyle/>
-          <a:p>
-            <a:r>
-              <a:rPr lang="en-US" dirty="0" smtClean="0"/>
-              <a:t>Exercises</a:t>
-            </a:r>
-            <a:endParaRPr lang="en-US" dirty="0"/>
-          </a:p>
-        </p:txBody>
-      </p:sp>
-      <p:sp>
-        <p:nvSpPr>
-          <p:cNvPr id="7" name="Content Placeholder 2"/>
-          <p:cNvSpPr>
-            <a:spLocks noGrp="1"/>
-          </p:cNvSpPr>
-          <p:nvPr>
-            <p:ph idx="1"/>
-          </p:nvPr>
-        </p:nvSpPr>
-        <p:spPr>
-          <a:xfrm>
-            <a:off x="228600" y="1066800"/>
-            <a:ext cx="2819400" cy="5638800"/>
-          </a:xfrm>
-        </p:spPr>
-        <p:txBody>
-          <a:bodyPr/>
-          <a:lstStyle/>
-          <a:p>
-            <a:pPr marL="514350" indent="-514350">
-              <a:buFont typeface="+mj-lt"/>
-              <a:buAutoNum type="arabicPeriod"/>
-              <a:tabLst/>
-            </a:pPr>
-            <a:r>
-              <a:rPr lang="en-US" sz="2800" smtClean="0"/>
-              <a:t>Slice </a:t>
-            </a:r>
-            <a:r>
-              <a:rPr lang="en-US" sz="2800" dirty="0" smtClean="0"/>
-              <a:t>this Web design </a:t>
-            </a:r>
-            <a:r>
-              <a:rPr lang="en-US" sz="2800" dirty="0" smtClean="0"/>
-              <a:t>with XHTML and CSS. Using tables and frames is not allowed!</a:t>
-            </a:r>
-            <a:endParaRPr lang="bg-BG" sz="2800" dirty="0"/>
-          </a:p>
-        </p:txBody>
-      </p:sp>
-      <p:sp>
-        <p:nvSpPr>
-          <p:cNvPr id="4" name="Slide Number Placeholder 3"/>
-          <p:cNvSpPr>
-            <a:spLocks noGrp="1"/>
-          </p:cNvSpPr>
-          <p:nvPr>
-            <p:ph type="sldNum" sz="quarter" idx="10"/>
-          </p:nvPr>
-        </p:nvSpPr>
-        <p:spPr/>
-        <p:txBody>
-          <a:bodyPr/>
-          <a:lstStyle/>
-          <a:p>
-            <a:pPr>
-              <a:defRPr/>
-            </a:pPr>
-            <a:fld id="{58452FF4-89E3-4D1B-9927-2DBDC00E58D7}" type="slidenum">
-              <a:rPr lang="en-US" smtClean="0"/>
-              <a:pPr>
-                <a:defRPr/>
-              </a:pPr>
-              <a:t>43</a:t>
-            </a:fld>
-            <a:endParaRPr lang="en-US" dirty="0"/>
-          </a:p>
-        </p:txBody>
-      </p:sp>
-      <p:pic>
-        <p:nvPicPr>
-          <p:cNvPr id="1027" name="Picture 3"/>
-          <p:cNvPicPr>
-            <a:picLocks noChangeAspect="1" noChangeArrowheads="1"/>
-          </p:cNvPicPr>
-          <p:nvPr/>
-        </p:nvPicPr>
-        <p:blipFill>
-          <a:blip r:embed="rId2" cstate="screen">
-            <a:extLst>
-              <a:ext uri="{28A0092B-C50C-407E-A947-70E740481C1C}">
-                <a14:useLocalDpi xmlns:a14="http://schemas.microsoft.com/office/drawing/2010/main"/>
-              </a:ext>
-            </a:extLst>
-          </a:blip>
-          <a:srcRect/>
-          <a:stretch>
-            <a:fillRect/>
-          </a:stretch>
-        </p:blipFill>
-        <p:spPr bwMode="auto">
-          <a:xfrm>
-            <a:off x="3380386" y="1600200"/>
-            <a:ext cx="5001614" cy="4817436"/>
-          </a:xfrm>
-          <a:prstGeom prst="roundRect">
-            <a:avLst>
-              <a:gd name="adj" fmla="val 891"/>
-            </a:avLst>
-          </a:prstGeom>
-          <a:noFill/>
-          <a:ln>
-            <a:noFill/>
-          </a:ln>
-          <a:effectLst/>
-          <a:extLst>
-            <a:ext uri="{909E8E84-426E-40DD-AFC4-6F175D3DCCD1}">
-              <a14:hiddenFill xmlns:a14="http://schemas.microsoft.com/office/drawing/2010/main">
-                <a:solidFill>
-                  <a:schemeClr val="accent1"/>
-                </a:solidFill>
-              </a14:hiddenFill>
-            </a:ext>
-            <a:ext uri="{91240B29-F687-4F45-9708-019B960494DF}">
-              <a14:hiddenLine xmlns:a14="http://schemas.microsoft.com/office/drawing/2010/main" w="9525">
-                <a:solidFill>
-                  <a:schemeClr val="tx1"/>
-                </a:solidFill>
-                <a:miter lim="800000"/>
-                <a:headEnd/>
-                <a:tailEnd/>
-              </a14:hiddenLine>
-            </a:ext>
-            <a:ext uri="{AF507438-7753-43E0-B8FC-AC1667EBCBE1}">
-              <a14:hiddenEffects xmlns:a14="http://schemas.microsoft.com/office/drawing/2010/main">
-                <a:effectLst>
-                  <a:outerShdw dist="35921" dir="2700000" algn="ctr" rotWithShape="0">
-                    <a:schemeClr val="bg2"/>
-                  </a:outerShdw>
-                </a:effectLst>
-              </a14:hiddenEffects>
-            </a:ext>
-          </a:extLst>
-        </p:spPr>
-      </p:pic>
-      <p:sp>
-        <p:nvSpPr>
-          <p:cNvPr id="8" name="Rectangle 7"/>
-          <p:cNvSpPr/>
-          <p:nvPr/>
-        </p:nvSpPr>
-        <p:spPr>
-          <a:xfrm>
-            <a:off x="3200400" y="990600"/>
-            <a:ext cx="5334000" cy="523220"/>
-          </a:xfrm>
-          <a:prstGeom prst="rect">
-            <a:avLst/>
-          </a:prstGeom>
-        </p:spPr>
-        <p:txBody>
-          <a:bodyPr wrap="square">
-            <a:spAutoFit/>
-          </a:bodyPr>
-          <a:lstStyle/>
-          <a:p>
-            <a:pPr algn="ctr"/>
-            <a:r>
-              <a:rPr lang="en-US" sz="2800" b="1" dirty="0" smtClean="0">
-                <a:effectLst>
-                  <a:outerShdw blurRad="38100" dist="38100" dir="2700000" algn="tl">
-                    <a:srgbClr val="000000">
-                      <a:alpha val="43137"/>
-                    </a:srgbClr>
-                  </a:outerShdw>
-                </a:effectLst>
-                <a:latin typeface="+mj-lt"/>
-              </a:rPr>
-              <a:t>See the file: </a:t>
-            </a:r>
-            <a:r>
-              <a:rPr lang="en-US" sz="2800" b="1" noProof="1" smtClean="0">
-                <a:solidFill>
-                  <a:schemeClr val="accent5">
-                    <a:lumMod val="20000"/>
-                    <a:lumOff val="80000"/>
-                  </a:schemeClr>
-                </a:solidFill>
-                <a:effectLst>
-                  <a:outerShdw blurRad="38100" dist="38100" dir="2700000" algn="tl">
-                    <a:srgbClr val="000000">
-                      <a:alpha val="43137"/>
-                    </a:srgbClr>
-                  </a:outerShdw>
-                </a:effectLst>
-                <a:latin typeface="Consolas" pitchFamily="49" charset="0"/>
-                <a:cs typeface="Consolas" pitchFamily="49" charset="0"/>
-              </a:rPr>
-              <a:t>architecture.ps</a:t>
-            </a:r>
-            <a:r>
-              <a:rPr lang="en-US" sz="2800" b="1" dirty="0" smtClean="0">
-                <a:solidFill>
-                  <a:schemeClr val="accent5">
-                    <a:lumMod val="20000"/>
-                    <a:lumOff val="80000"/>
-                  </a:schemeClr>
-                </a:solidFill>
-                <a:effectLst>
-                  <a:outerShdw blurRad="38100" dist="38100" dir="2700000" algn="tl">
-                    <a:srgbClr val="000000">
-                      <a:alpha val="43137"/>
-                    </a:srgbClr>
-                  </a:outerShdw>
-                </a:effectLst>
-                <a:latin typeface="Consolas" pitchFamily="49" charset="0"/>
-                <a:cs typeface="Consolas" pitchFamily="49" charset="0"/>
-              </a:rPr>
-              <a:t>d</a:t>
-            </a:r>
-            <a:endParaRPr lang="en-US" sz="2800" b="1" dirty="0">
-              <a:effectLst>
-                <a:outerShdw blurRad="38100" dist="38100" dir="2700000" algn="tl">
-                  <a:srgbClr val="000000">
-                    <a:alpha val="43137"/>
-                  </a:srgbClr>
-                </a:outerShdw>
-              </a:effectLst>
-              <a:latin typeface="+mj-lt"/>
-            </a:endParaRPr>
-          </a:p>
-        </p:txBody>
-      </p:sp>
-    </p:spTree>
-    <p:extLst>
-      <p:ext uri="{BB962C8B-B14F-4D97-AF65-F5344CB8AC3E}">
-        <p14:creationId xmlns:p14="http://schemas.microsoft.com/office/powerpoint/2010/main" val="1544187116"/>
       </p:ext>
     </p:extLst>
   </p:cSld>
